--- a/Project summary.pptx
+++ b/Project summary.pptx
@@ -6,12 +6,13 @@
   </p:sldMasterIdLst>
   <p:sldIdLst>
     <p:sldId id="256" r:id="rId2"/>
-    <p:sldId id="257" r:id="rId3"/>
-    <p:sldId id="258" r:id="rId4"/>
-    <p:sldId id="259" r:id="rId5"/>
-    <p:sldId id="260" r:id="rId6"/>
-    <p:sldId id="261" r:id="rId7"/>
-    <p:sldId id="262" r:id="rId8"/>
+    <p:sldId id="263" r:id="rId3"/>
+    <p:sldId id="257" r:id="rId4"/>
+    <p:sldId id="258" r:id="rId5"/>
+    <p:sldId id="259" r:id="rId6"/>
+    <p:sldId id="260" r:id="rId7"/>
+    <p:sldId id="261" r:id="rId8"/>
+    <p:sldId id="262" r:id="rId9"/>
   </p:sldIdLst>
   <p:sldSz cx="12192000" cy="6858000"/>
   <p:notesSz cx="6858000" cy="9144000"/>
@@ -110,6 +111,11 @@
       </a:defRPr>
     </a:lvl9pPr>
   </p:defaultTextStyle>
+  <p:extLst>
+    <p:ext uri="{EFAFB233-063F-42B5-8137-9DF3F51BA10A}">
+      <p15:sldGuideLst xmlns:p15="http://schemas.microsoft.com/office/powerpoint/2012/main"/>
+    </p:ext>
+  </p:extLst>
 </p:presentation>
 </file>
 
@@ -260,7 +266,7 @@
           <a:p>
             <a:fld id="{DDE5C321-6EBE-48F4-A282-71C57EF46AA0}" type="datetimeFigureOut">
               <a:rPr lang="pl-PL" smtClean="0"/>
-              <a:t>17.06.2024</a:t>
+              <a:t>18.06.2024</a:t>
             </a:fld>
             <a:endParaRPr lang="pl-PL"/>
           </a:p>
@@ -458,7 +464,7 @@
           <a:p>
             <a:fld id="{DDE5C321-6EBE-48F4-A282-71C57EF46AA0}" type="datetimeFigureOut">
               <a:rPr lang="pl-PL" smtClean="0"/>
-              <a:t>17.06.2024</a:t>
+              <a:t>18.06.2024</a:t>
             </a:fld>
             <a:endParaRPr lang="pl-PL"/>
           </a:p>
@@ -666,7 +672,7 @@
           <a:p>
             <a:fld id="{DDE5C321-6EBE-48F4-A282-71C57EF46AA0}" type="datetimeFigureOut">
               <a:rPr lang="pl-PL" smtClean="0"/>
-              <a:t>17.06.2024</a:t>
+              <a:t>18.06.2024</a:t>
             </a:fld>
             <a:endParaRPr lang="pl-PL"/>
           </a:p>
@@ -864,7 +870,7 @@
           <a:p>
             <a:fld id="{DDE5C321-6EBE-48F4-A282-71C57EF46AA0}" type="datetimeFigureOut">
               <a:rPr lang="pl-PL" smtClean="0"/>
-              <a:t>17.06.2024</a:t>
+              <a:t>18.06.2024</a:t>
             </a:fld>
             <a:endParaRPr lang="pl-PL"/>
           </a:p>
@@ -1139,7 +1145,7 @@
           <a:p>
             <a:fld id="{DDE5C321-6EBE-48F4-A282-71C57EF46AA0}" type="datetimeFigureOut">
               <a:rPr lang="pl-PL" smtClean="0"/>
-              <a:t>17.06.2024</a:t>
+              <a:t>18.06.2024</a:t>
             </a:fld>
             <a:endParaRPr lang="pl-PL"/>
           </a:p>
@@ -1404,7 +1410,7 @@
           <a:p>
             <a:fld id="{DDE5C321-6EBE-48F4-A282-71C57EF46AA0}" type="datetimeFigureOut">
               <a:rPr lang="pl-PL" smtClean="0"/>
-              <a:t>17.06.2024</a:t>
+              <a:t>18.06.2024</a:t>
             </a:fld>
             <a:endParaRPr lang="pl-PL"/>
           </a:p>
@@ -1816,7 +1822,7 @@
           <a:p>
             <a:fld id="{DDE5C321-6EBE-48F4-A282-71C57EF46AA0}" type="datetimeFigureOut">
               <a:rPr lang="pl-PL" smtClean="0"/>
-              <a:t>17.06.2024</a:t>
+              <a:t>18.06.2024</a:t>
             </a:fld>
             <a:endParaRPr lang="pl-PL"/>
           </a:p>
@@ -1957,7 +1963,7 @@
           <a:p>
             <a:fld id="{DDE5C321-6EBE-48F4-A282-71C57EF46AA0}" type="datetimeFigureOut">
               <a:rPr lang="pl-PL" smtClean="0"/>
-              <a:t>17.06.2024</a:t>
+              <a:t>18.06.2024</a:t>
             </a:fld>
             <a:endParaRPr lang="pl-PL"/>
           </a:p>
@@ -2070,7 +2076,7 @@
           <a:p>
             <a:fld id="{DDE5C321-6EBE-48F4-A282-71C57EF46AA0}" type="datetimeFigureOut">
               <a:rPr lang="pl-PL" smtClean="0"/>
-              <a:t>17.06.2024</a:t>
+              <a:t>18.06.2024</a:t>
             </a:fld>
             <a:endParaRPr lang="pl-PL"/>
           </a:p>
@@ -2381,7 +2387,7 @@
           <a:p>
             <a:fld id="{DDE5C321-6EBE-48F4-A282-71C57EF46AA0}" type="datetimeFigureOut">
               <a:rPr lang="pl-PL" smtClean="0"/>
-              <a:t>17.06.2024</a:t>
+              <a:t>18.06.2024</a:t>
             </a:fld>
             <a:endParaRPr lang="pl-PL"/>
           </a:p>
@@ -2669,7 +2675,7 @@
           <a:p>
             <a:fld id="{DDE5C321-6EBE-48F4-A282-71C57EF46AA0}" type="datetimeFigureOut">
               <a:rPr lang="pl-PL" smtClean="0"/>
-              <a:t>17.06.2024</a:t>
+              <a:t>18.06.2024</a:t>
             </a:fld>
             <a:endParaRPr lang="pl-PL"/>
           </a:p>
@@ -2910,7 +2916,7 @@
           <a:p>
             <a:fld id="{DDE5C321-6EBE-48F4-A282-71C57EF46AA0}" type="datetimeFigureOut">
               <a:rPr lang="pl-PL" smtClean="0"/>
-              <a:t>17.06.2024</a:t>
+              <a:t>18.06.2024</a:t>
             </a:fld>
             <a:endParaRPr lang="pl-PL"/>
           </a:p>
@@ -3401,6 +3407,994 @@
 <file path=ppt/slides/slide2.xml><?xml version="1.0" encoding="utf-8"?>
 <p:sld xmlns:a="http://schemas.openxmlformats.org/drawingml/2006/main" xmlns:r="http://schemas.openxmlformats.org/officeDocument/2006/relationships" xmlns:p="http://schemas.openxmlformats.org/presentationml/2006/main">
   <p:cSld>
+    <p:spTree>
+      <p:nvGrpSpPr>
+        <p:cNvPr id="1" name=""/>
+        <p:cNvGrpSpPr/>
+        <p:nvPr/>
+      </p:nvGrpSpPr>
+      <p:grpSpPr>
+        <a:xfrm>
+          <a:off x="0" y="0"/>
+          <a:ext cx="0" cy="0"/>
+          <a:chOff x="0" y="0"/>
+          <a:chExt cx="0" cy="0"/>
+        </a:xfrm>
+      </p:grpSpPr>
+      <p:graphicFrame>
+        <p:nvGraphicFramePr>
+          <p:cNvPr id="2" name="Tabela 1">
+            <a:extLst>
+              <a:ext uri="{FF2B5EF4-FFF2-40B4-BE49-F238E27FC236}">
+                <a16:creationId xmlns:a16="http://schemas.microsoft.com/office/drawing/2014/main" id="{E96203D6-0617-CF43-C6CB-42D359C4D072}"/>
+              </a:ext>
+            </a:extLst>
+          </p:cNvPr>
+          <p:cNvGraphicFramePr>
+            <a:graphicFrameLocks noGrp="1"/>
+          </p:cNvGraphicFramePr>
+          <p:nvPr>
+            <p:extLst>
+              <p:ext uri="{D42A27DB-BD31-4B8C-83A1-F6EECF244321}">
+                <p14:modId xmlns:p14="http://schemas.microsoft.com/office/powerpoint/2010/main" val="1425381955"/>
+              </p:ext>
+            </p:extLst>
+          </p:nvPr>
+        </p:nvGraphicFramePr>
+        <p:xfrm>
+          <a:off x="1414206" y="611511"/>
+          <a:ext cx="9363588" cy="5486400"/>
+        </p:xfrm>
+        <a:graphic>
+          <a:graphicData uri="http://schemas.openxmlformats.org/drawingml/2006/table">
+            <a:tbl>
+              <a:tblPr firstRow="1" bandRow="1">
+                <a:tableStyleId>{9D7B26C5-4107-4FEC-AEDC-1716B250A1EF}</a:tableStyleId>
+              </a:tblPr>
+              <a:tblGrid>
+                <a:gridCol w="1560598">
+                  <a:extLst>
+                    <a:ext uri="{9D8B030D-6E8A-4147-A177-3AD203B41FA5}">
+                      <a16:colId xmlns:a16="http://schemas.microsoft.com/office/drawing/2014/main" val="249594603"/>
+                    </a:ext>
+                  </a:extLst>
+                </a:gridCol>
+                <a:gridCol w="1560598">
+                  <a:extLst>
+                    <a:ext uri="{9D8B030D-6E8A-4147-A177-3AD203B41FA5}">
+                      <a16:colId xmlns:a16="http://schemas.microsoft.com/office/drawing/2014/main" val="110780827"/>
+                    </a:ext>
+                  </a:extLst>
+                </a:gridCol>
+                <a:gridCol w="1560598">
+                  <a:extLst>
+                    <a:ext uri="{9D8B030D-6E8A-4147-A177-3AD203B41FA5}">
+                      <a16:colId xmlns:a16="http://schemas.microsoft.com/office/drawing/2014/main" val="1297641435"/>
+                    </a:ext>
+                  </a:extLst>
+                </a:gridCol>
+                <a:gridCol w="1560598">
+                  <a:extLst>
+                    <a:ext uri="{9D8B030D-6E8A-4147-A177-3AD203B41FA5}">
+                      <a16:colId xmlns:a16="http://schemas.microsoft.com/office/drawing/2014/main" val="3848184277"/>
+                    </a:ext>
+                  </a:extLst>
+                </a:gridCol>
+                <a:gridCol w="1560598">
+                  <a:extLst>
+                    <a:ext uri="{9D8B030D-6E8A-4147-A177-3AD203B41FA5}">
+                      <a16:colId xmlns:a16="http://schemas.microsoft.com/office/drawing/2014/main" val="744929190"/>
+                    </a:ext>
+                  </a:extLst>
+                </a:gridCol>
+                <a:gridCol w="1560598">
+                  <a:extLst>
+                    <a:ext uri="{9D8B030D-6E8A-4147-A177-3AD203B41FA5}">
+                      <a16:colId xmlns:a16="http://schemas.microsoft.com/office/drawing/2014/main" val="3530970421"/>
+                    </a:ext>
+                  </a:extLst>
+                </a:gridCol>
+              </a:tblGrid>
+              <a:tr h="887862">
+                <a:tc>
+                  <a:txBody>
+                    <a:bodyPr/>
+                    <a:lstStyle/>
+                    <a:p>
+                      <a:pPr algn="ctr"/>
+                      <a:r>
+                        <a:rPr lang="pl-PL" dirty="0"/>
+                        <a:t>DRUG</a:t>
+                      </a:r>
+                    </a:p>
+                  </a:txBody>
+                  <a:tcPr/>
+                </a:tc>
+                <a:tc>
+                  <a:txBody>
+                    <a:bodyPr/>
+                    <a:lstStyle/>
+                    <a:p>
+                      <a:pPr algn="ctr"/>
+                      <a:r>
+                        <a:rPr lang="pl-PL" dirty="0"/>
+                        <a:t>100nM</a:t>
+                      </a:r>
+                    </a:p>
+                  </a:txBody>
+                  <a:tcPr/>
+                </a:tc>
+                <a:tc>
+                  <a:txBody>
+                    <a:bodyPr/>
+                    <a:lstStyle/>
+                    <a:p>
+                      <a:pPr algn="ctr"/>
+                      <a:r>
+                        <a:rPr lang="pl-PL" dirty="0"/>
+                        <a:t>300nM</a:t>
+                      </a:r>
+                    </a:p>
+                  </a:txBody>
+                  <a:tcPr/>
+                </a:tc>
+                <a:tc>
+                  <a:txBody>
+                    <a:bodyPr/>
+                    <a:lstStyle/>
+                    <a:p>
+                      <a:pPr algn="ctr"/>
+                      <a:r>
+                        <a:rPr lang="pl-PL" dirty="0"/>
+                        <a:t> 1000nM</a:t>
+                      </a:r>
+                    </a:p>
+                  </a:txBody>
+                  <a:tcPr/>
+                </a:tc>
+                <a:tc>
+                  <a:txBody>
+                    <a:bodyPr/>
+                    <a:lstStyle/>
+                    <a:p>
+                      <a:pPr algn="ctr"/>
+                      <a:r>
+                        <a:rPr lang="pl-PL" dirty="0"/>
+                        <a:t>3000nM</a:t>
+                      </a:r>
+                    </a:p>
+                    <a:p>
+                      <a:pPr algn="ctr"/>
+                      <a:r>
+                        <a:rPr lang="pl-PL" dirty="0"/>
+                        <a:t>Ok.20% </a:t>
+                      </a:r>
+                      <a:r>
+                        <a:rPr lang="pl-PL" dirty="0" err="1"/>
+                        <a:t>vitality</a:t>
+                      </a:r>
+                      <a:endParaRPr lang="pl-PL" dirty="0"/>
+                    </a:p>
+                  </a:txBody>
+                  <a:tcPr/>
+                </a:tc>
+                <a:tc>
+                  <a:txBody>
+                    <a:bodyPr/>
+                    <a:lstStyle/>
+                    <a:p>
+                      <a:pPr algn="ctr"/>
+                      <a:r>
+                        <a:rPr lang="pl-PL" dirty="0"/>
+                        <a:t>10000nM</a:t>
+                      </a:r>
+                    </a:p>
+                    <a:p>
+                      <a:pPr algn="ctr"/>
+                      <a:r>
+                        <a:rPr lang="pl-PL" dirty="0" err="1"/>
+                        <a:t>Cells</a:t>
+                      </a:r>
+                      <a:r>
+                        <a:rPr lang="pl-PL" dirty="0"/>
+                        <a:t> </a:t>
+                      </a:r>
+                      <a:r>
+                        <a:rPr lang="pl-PL" dirty="0" err="1"/>
+                        <a:t>are</a:t>
+                      </a:r>
+                      <a:r>
+                        <a:rPr lang="pl-PL" dirty="0"/>
+                        <a:t> </a:t>
+                      </a:r>
+                      <a:r>
+                        <a:rPr lang="pl-PL" dirty="0" err="1"/>
+                        <a:t>dead</a:t>
+                      </a:r>
+                      <a:endParaRPr lang="pl-PL" dirty="0"/>
+                    </a:p>
+                  </a:txBody>
+                  <a:tcPr/>
+                </a:tc>
+                <a:extLst>
+                  <a:ext uri="{0D108BD9-81ED-4DB2-BD59-A6C34878D82A}">
+                    <a16:rowId xmlns:a16="http://schemas.microsoft.com/office/drawing/2014/main" val="915683535"/>
+                  </a:ext>
+                </a:extLst>
+              </a:tr>
+              <a:tr h="887862">
+                <a:tc>
+                  <a:txBody>
+                    <a:bodyPr/>
+                    <a:lstStyle/>
+                    <a:p>
+                      <a:pPr algn="ctr"/>
+                      <a:r>
+                        <a:rPr lang="pl-PL" b="1" dirty="0"/>
+                        <a:t>Drug2</a:t>
+                      </a:r>
+                    </a:p>
+                  </a:txBody>
+                  <a:tcPr/>
+                </a:tc>
+                <a:tc>
+                  <a:txBody>
+                    <a:bodyPr/>
+                    <a:lstStyle/>
+                    <a:p>
+                      <a:pPr algn="ctr"/>
+                      <a:endParaRPr lang="pl-PL" dirty="0"/>
+                    </a:p>
+                    <a:p>
+                      <a:pPr algn="ctr"/>
+                      <a:r>
+                        <a:rPr lang="pl-PL" dirty="0">
+                          <a:highlight>
+                            <a:srgbClr val="FF0000"/>
+                          </a:highlight>
+                        </a:rPr>
+                        <a:t>Ok</a:t>
+                      </a:r>
+                    </a:p>
+                  </a:txBody>
+                  <a:tcPr/>
+                </a:tc>
+                <a:tc>
+                  <a:txBody>
+                    <a:bodyPr/>
+                    <a:lstStyle/>
+                    <a:p>
+                      <a:pPr algn="ctr"/>
+                      <a:endParaRPr lang="pl-PL" dirty="0"/>
+                    </a:p>
+                    <a:p>
+                      <a:pPr algn="ctr"/>
+                      <a:r>
+                        <a:rPr lang="pl-PL" dirty="0">
+                          <a:highlight>
+                            <a:srgbClr val="FF0000"/>
+                          </a:highlight>
+                        </a:rPr>
+                        <a:t>Ok</a:t>
+                      </a:r>
+                    </a:p>
+                  </a:txBody>
+                  <a:tcPr/>
+                </a:tc>
+                <a:tc>
+                  <a:txBody>
+                    <a:bodyPr/>
+                    <a:lstStyle/>
+                    <a:p>
+                      <a:pPr algn="ctr"/>
+                      <a:endParaRPr lang="pl-PL" dirty="0"/>
+                    </a:p>
+                    <a:p>
+                      <a:pPr algn="ctr"/>
+                      <a:r>
+                        <a:rPr lang="pl-PL" dirty="0"/>
+                        <a:t>Ok</a:t>
+                      </a:r>
+                    </a:p>
+                  </a:txBody>
+                  <a:tcPr/>
+                </a:tc>
+                <a:tc>
+                  <a:txBody>
+                    <a:bodyPr/>
+                    <a:lstStyle/>
+                    <a:p>
+                      <a:endParaRPr lang="pl-PL" dirty="0"/>
+                    </a:p>
+                    <a:p>
+                      <a:pPr marL="0" marR="0" lvl="0" indent="0" algn="l" defTabSz="914400" rtl="0" eaLnBrk="1" fontAlgn="auto" latinLnBrk="0" hangingPunct="1">
+                        <a:lnSpc>
+                          <a:spcPct val="100000"/>
+                        </a:lnSpc>
+                        <a:spcBef>
+                          <a:spcPts val="0"/>
+                        </a:spcBef>
+                        <a:spcAft>
+                          <a:spcPts val="0"/>
+                        </a:spcAft>
+                        <a:buClrTx/>
+                        <a:buSzTx/>
+                        <a:buFontTx/>
+                        <a:buNone/>
+                        <a:tabLst/>
+                        <a:defRPr/>
+                      </a:pPr>
+                      <a:r>
+                        <a:rPr lang="pl-PL" dirty="0"/>
+                        <a:t>-----------------</a:t>
+                      </a:r>
+                    </a:p>
+                    <a:p>
+                      <a:endParaRPr lang="pl-PL" dirty="0"/>
+                    </a:p>
+                  </a:txBody>
+                  <a:tcPr/>
+                </a:tc>
+                <a:tc>
+                  <a:txBody>
+                    <a:bodyPr/>
+                    <a:lstStyle/>
+                    <a:p>
+                      <a:endParaRPr lang="pl-PL" dirty="0"/>
+                    </a:p>
+                    <a:p>
+                      <a:pPr marL="0" marR="0" lvl="0" indent="0" algn="l" defTabSz="914400" rtl="0" eaLnBrk="1" fontAlgn="auto" latinLnBrk="0" hangingPunct="1">
+                        <a:lnSpc>
+                          <a:spcPct val="100000"/>
+                        </a:lnSpc>
+                        <a:spcBef>
+                          <a:spcPts val="0"/>
+                        </a:spcBef>
+                        <a:spcAft>
+                          <a:spcPts val="0"/>
+                        </a:spcAft>
+                        <a:buClrTx/>
+                        <a:buSzTx/>
+                        <a:buFontTx/>
+                        <a:buNone/>
+                        <a:tabLst/>
+                        <a:defRPr/>
+                      </a:pPr>
+                      <a:r>
+                        <a:rPr lang="pl-PL" dirty="0"/>
+                        <a:t>-----------------</a:t>
+                      </a:r>
+                    </a:p>
+                    <a:p>
+                      <a:endParaRPr lang="pl-PL" dirty="0"/>
+                    </a:p>
+                  </a:txBody>
+                  <a:tcPr/>
+                </a:tc>
+                <a:extLst>
+                  <a:ext uri="{0D108BD9-81ED-4DB2-BD59-A6C34878D82A}">
+                    <a16:rowId xmlns:a16="http://schemas.microsoft.com/office/drawing/2014/main" val="2064702677"/>
+                  </a:ext>
+                </a:extLst>
+              </a:tr>
+              <a:tr h="887862">
+                <a:tc>
+                  <a:txBody>
+                    <a:bodyPr/>
+                    <a:lstStyle/>
+                    <a:p>
+                      <a:pPr algn="ctr"/>
+                      <a:r>
+                        <a:rPr lang="pl-PL" b="1" dirty="0"/>
+                        <a:t>Drug4</a:t>
+                      </a:r>
+                    </a:p>
+                  </a:txBody>
+                  <a:tcPr/>
+                </a:tc>
+                <a:tc>
+                  <a:txBody>
+                    <a:bodyPr/>
+                    <a:lstStyle/>
+                    <a:p>
+                      <a:pPr algn="ctr"/>
+                      <a:endParaRPr lang="pl-PL" dirty="0"/>
+                    </a:p>
+                    <a:p>
+                      <a:pPr algn="ctr"/>
+                      <a:r>
+                        <a:rPr lang="pl-PL" dirty="0">
+                          <a:highlight>
+                            <a:srgbClr val="FF0000"/>
+                          </a:highlight>
+                        </a:rPr>
+                        <a:t>Ok</a:t>
+                      </a:r>
+                    </a:p>
+                  </a:txBody>
+                  <a:tcPr/>
+                </a:tc>
+                <a:tc>
+                  <a:txBody>
+                    <a:bodyPr/>
+                    <a:lstStyle/>
+                    <a:p>
+                      <a:pPr algn="ctr"/>
+                      <a:endParaRPr lang="pl-PL" dirty="0"/>
+                    </a:p>
+                    <a:p>
+                      <a:pPr algn="ctr"/>
+                      <a:r>
+                        <a:rPr lang="pl-PL" dirty="0">
+                          <a:highlight>
+                            <a:srgbClr val="FF0000"/>
+                          </a:highlight>
+                        </a:rPr>
+                        <a:t>Ok</a:t>
+                      </a:r>
+                    </a:p>
+                  </a:txBody>
+                  <a:tcPr/>
+                </a:tc>
+                <a:tc>
+                  <a:txBody>
+                    <a:bodyPr/>
+                    <a:lstStyle/>
+                    <a:p>
+                      <a:pPr algn="ctr"/>
+                      <a:endParaRPr lang="pl-PL" dirty="0"/>
+                    </a:p>
+                    <a:p>
+                      <a:pPr algn="ctr"/>
+                      <a:r>
+                        <a:rPr lang="pl-PL" dirty="0"/>
+                        <a:t>Ok</a:t>
+                      </a:r>
+                    </a:p>
+                  </a:txBody>
+                  <a:tcPr/>
+                </a:tc>
+                <a:tc>
+                  <a:txBody>
+                    <a:bodyPr/>
+                    <a:lstStyle/>
+                    <a:p>
+                      <a:endParaRPr lang="pl-PL" dirty="0"/>
+                    </a:p>
+                    <a:p>
+                      <a:pPr marL="0" marR="0" lvl="0" indent="0" algn="l" defTabSz="914400" rtl="0" eaLnBrk="1" fontAlgn="auto" latinLnBrk="0" hangingPunct="1">
+                        <a:lnSpc>
+                          <a:spcPct val="100000"/>
+                        </a:lnSpc>
+                        <a:spcBef>
+                          <a:spcPts val="0"/>
+                        </a:spcBef>
+                        <a:spcAft>
+                          <a:spcPts val="0"/>
+                        </a:spcAft>
+                        <a:buClrTx/>
+                        <a:buSzTx/>
+                        <a:buFontTx/>
+                        <a:buNone/>
+                        <a:tabLst/>
+                        <a:defRPr/>
+                      </a:pPr>
+                      <a:r>
+                        <a:rPr lang="pl-PL" dirty="0"/>
+                        <a:t>-----------------</a:t>
+                      </a:r>
+                    </a:p>
+                    <a:p>
+                      <a:endParaRPr lang="pl-PL" dirty="0"/>
+                    </a:p>
+                  </a:txBody>
+                  <a:tcPr/>
+                </a:tc>
+                <a:tc>
+                  <a:txBody>
+                    <a:bodyPr/>
+                    <a:lstStyle/>
+                    <a:p>
+                      <a:endParaRPr lang="pl-PL" dirty="0"/>
+                    </a:p>
+                    <a:p>
+                      <a:pPr marL="0" marR="0" lvl="0" indent="0" algn="l" defTabSz="914400" rtl="0" eaLnBrk="1" fontAlgn="auto" latinLnBrk="0" hangingPunct="1">
+                        <a:lnSpc>
+                          <a:spcPct val="100000"/>
+                        </a:lnSpc>
+                        <a:spcBef>
+                          <a:spcPts val="0"/>
+                        </a:spcBef>
+                        <a:spcAft>
+                          <a:spcPts val="0"/>
+                        </a:spcAft>
+                        <a:buClrTx/>
+                        <a:buSzTx/>
+                        <a:buFontTx/>
+                        <a:buNone/>
+                        <a:tabLst/>
+                        <a:defRPr/>
+                      </a:pPr>
+                      <a:r>
+                        <a:rPr lang="pl-PL" dirty="0"/>
+                        <a:t>-----------------</a:t>
+                      </a:r>
+                    </a:p>
+                    <a:p>
+                      <a:endParaRPr lang="pl-PL" dirty="0"/>
+                    </a:p>
+                  </a:txBody>
+                  <a:tcPr/>
+                </a:tc>
+                <a:extLst>
+                  <a:ext uri="{0D108BD9-81ED-4DB2-BD59-A6C34878D82A}">
+                    <a16:rowId xmlns:a16="http://schemas.microsoft.com/office/drawing/2014/main" val="1869270371"/>
+                  </a:ext>
+                </a:extLst>
+              </a:tr>
+              <a:tr h="887862">
+                <a:tc>
+                  <a:txBody>
+                    <a:bodyPr/>
+                    <a:lstStyle/>
+                    <a:p>
+                      <a:pPr algn="ctr"/>
+                      <a:r>
+                        <a:rPr lang="pl-PL" b="1" dirty="0"/>
+                        <a:t>Drug6</a:t>
+                      </a:r>
+                    </a:p>
+                  </a:txBody>
+                  <a:tcPr/>
+                </a:tc>
+                <a:tc>
+                  <a:txBody>
+                    <a:bodyPr/>
+                    <a:lstStyle/>
+                    <a:p>
+                      <a:pPr algn="ctr"/>
+                      <a:endParaRPr lang="pl-PL" dirty="0"/>
+                    </a:p>
+                    <a:p>
+                      <a:pPr algn="ctr"/>
+                      <a:r>
+                        <a:rPr lang="pl-PL" dirty="0"/>
+                        <a:t>Ok</a:t>
+                      </a:r>
+                    </a:p>
+                  </a:txBody>
+                  <a:tcPr/>
+                </a:tc>
+                <a:tc>
+                  <a:txBody>
+                    <a:bodyPr/>
+                    <a:lstStyle/>
+                    <a:p>
+                      <a:pPr algn="ctr"/>
+                      <a:endParaRPr lang="pl-PL" dirty="0"/>
+                    </a:p>
+                    <a:p>
+                      <a:pPr algn="ctr"/>
+                      <a:r>
+                        <a:rPr lang="pl-PL" dirty="0"/>
+                        <a:t>Ok</a:t>
+                      </a:r>
+                    </a:p>
+                  </a:txBody>
+                  <a:tcPr/>
+                </a:tc>
+                <a:tc>
+                  <a:txBody>
+                    <a:bodyPr/>
+                    <a:lstStyle/>
+                    <a:p>
+                      <a:pPr algn="ctr"/>
+                      <a:endParaRPr lang="pl-PL" dirty="0"/>
+                    </a:p>
+                    <a:p>
+                      <a:pPr algn="ctr"/>
+                      <a:r>
+                        <a:rPr lang="pl-PL" dirty="0"/>
+                        <a:t>Ok</a:t>
+                      </a:r>
+                    </a:p>
+                  </a:txBody>
+                  <a:tcPr/>
+                </a:tc>
+                <a:tc>
+                  <a:txBody>
+                    <a:bodyPr/>
+                    <a:lstStyle/>
+                    <a:p>
+                      <a:endParaRPr lang="pl-PL" dirty="0"/>
+                    </a:p>
+                    <a:p>
+                      <a:pPr marL="0" marR="0" lvl="0" indent="0" algn="l" defTabSz="914400" rtl="0" eaLnBrk="1" fontAlgn="auto" latinLnBrk="0" hangingPunct="1">
+                        <a:lnSpc>
+                          <a:spcPct val="100000"/>
+                        </a:lnSpc>
+                        <a:spcBef>
+                          <a:spcPts val="0"/>
+                        </a:spcBef>
+                        <a:spcAft>
+                          <a:spcPts val="0"/>
+                        </a:spcAft>
+                        <a:buClrTx/>
+                        <a:buSzTx/>
+                        <a:buFontTx/>
+                        <a:buNone/>
+                        <a:tabLst/>
+                        <a:defRPr/>
+                      </a:pPr>
+                      <a:r>
+                        <a:rPr lang="pl-PL" dirty="0"/>
+                        <a:t>-----------------</a:t>
+                      </a:r>
+                    </a:p>
+                    <a:p>
+                      <a:endParaRPr lang="pl-PL" dirty="0"/>
+                    </a:p>
+                  </a:txBody>
+                  <a:tcPr/>
+                </a:tc>
+                <a:tc>
+                  <a:txBody>
+                    <a:bodyPr/>
+                    <a:lstStyle/>
+                    <a:p>
+                      <a:endParaRPr lang="pl-PL" dirty="0"/>
+                    </a:p>
+                    <a:p>
+                      <a:pPr marL="0" marR="0" lvl="0" indent="0" algn="l" defTabSz="914400" rtl="0" eaLnBrk="1" fontAlgn="auto" latinLnBrk="0" hangingPunct="1">
+                        <a:lnSpc>
+                          <a:spcPct val="100000"/>
+                        </a:lnSpc>
+                        <a:spcBef>
+                          <a:spcPts val="0"/>
+                        </a:spcBef>
+                        <a:spcAft>
+                          <a:spcPts val="0"/>
+                        </a:spcAft>
+                        <a:buClrTx/>
+                        <a:buSzTx/>
+                        <a:buFontTx/>
+                        <a:buNone/>
+                        <a:tabLst/>
+                        <a:defRPr/>
+                      </a:pPr>
+                      <a:r>
+                        <a:rPr lang="pl-PL" dirty="0"/>
+                        <a:t>-----------------</a:t>
+                      </a:r>
+                    </a:p>
+                    <a:p>
+                      <a:endParaRPr lang="pl-PL" dirty="0"/>
+                    </a:p>
+                  </a:txBody>
+                  <a:tcPr/>
+                </a:tc>
+                <a:extLst>
+                  <a:ext uri="{0D108BD9-81ED-4DB2-BD59-A6C34878D82A}">
+                    <a16:rowId xmlns:a16="http://schemas.microsoft.com/office/drawing/2014/main" val="3917337144"/>
+                  </a:ext>
+                </a:extLst>
+              </a:tr>
+              <a:tr h="887862">
+                <a:tc>
+                  <a:txBody>
+                    <a:bodyPr/>
+                    <a:lstStyle/>
+                    <a:p>
+                      <a:pPr algn="ctr"/>
+                      <a:r>
+                        <a:rPr lang="pl-PL" b="1" dirty="0"/>
+                        <a:t>Drug7</a:t>
+                      </a:r>
+                    </a:p>
+                  </a:txBody>
+                  <a:tcPr/>
+                </a:tc>
+                <a:tc>
+                  <a:txBody>
+                    <a:bodyPr/>
+                    <a:lstStyle/>
+                    <a:p>
+                      <a:pPr algn="ctr"/>
+                      <a:endParaRPr lang="pl-PL" dirty="0"/>
+                    </a:p>
+                    <a:p>
+                      <a:pPr algn="ctr"/>
+                      <a:r>
+                        <a:rPr lang="pl-PL" dirty="0">
+                          <a:highlight>
+                            <a:srgbClr val="FF0000"/>
+                          </a:highlight>
+                        </a:rPr>
+                        <a:t>Ok</a:t>
+                      </a:r>
+                    </a:p>
+                  </a:txBody>
+                  <a:tcPr/>
+                </a:tc>
+                <a:tc>
+                  <a:txBody>
+                    <a:bodyPr/>
+                    <a:lstStyle/>
+                    <a:p>
+                      <a:pPr algn="ctr"/>
+                      <a:endParaRPr lang="pl-PL" dirty="0"/>
+                    </a:p>
+                    <a:p>
+                      <a:pPr algn="ctr"/>
+                      <a:r>
+                        <a:rPr lang="pl-PL" dirty="0">
+                          <a:highlight>
+                            <a:srgbClr val="FF0000"/>
+                          </a:highlight>
+                        </a:rPr>
+                        <a:t>Ok</a:t>
+                      </a:r>
+                    </a:p>
+                  </a:txBody>
+                  <a:tcPr/>
+                </a:tc>
+                <a:tc>
+                  <a:txBody>
+                    <a:bodyPr/>
+                    <a:lstStyle/>
+                    <a:p>
+                      <a:pPr algn="ctr"/>
+                      <a:endParaRPr lang="pl-PL" dirty="0"/>
+                    </a:p>
+                    <a:p>
+                      <a:pPr algn="ctr"/>
+                      <a:r>
+                        <a:rPr lang="pl-PL" dirty="0"/>
+                        <a:t>Ok</a:t>
+                      </a:r>
+                    </a:p>
+                  </a:txBody>
+                  <a:tcPr/>
+                </a:tc>
+                <a:tc>
+                  <a:txBody>
+                    <a:bodyPr/>
+                    <a:lstStyle/>
+                    <a:p>
+                      <a:endParaRPr lang="pl-PL" dirty="0"/>
+                    </a:p>
+                    <a:p>
+                      <a:pPr algn="ctr"/>
+                      <a:r>
+                        <a:rPr lang="pl-PL" dirty="0"/>
+                        <a:t>Ok.50% </a:t>
+                      </a:r>
+                      <a:r>
+                        <a:rPr lang="pl-PL" dirty="0" err="1"/>
+                        <a:t>vitality</a:t>
+                      </a:r>
+                      <a:endParaRPr lang="pl-PL" dirty="0"/>
+                    </a:p>
+                  </a:txBody>
+                  <a:tcPr/>
+                </a:tc>
+                <a:tc>
+                  <a:txBody>
+                    <a:bodyPr/>
+                    <a:lstStyle/>
+                    <a:p>
+                      <a:endParaRPr lang="pl-PL" dirty="0"/>
+                    </a:p>
+                    <a:p>
+                      <a:pPr marL="0" marR="0" lvl="0" indent="0" algn="l" defTabSz="914400" rtl="0" eaLnBrk="1" fontAlgn="auto" latinLnBrk="0" hangingPunct="1">
+                        <a:lnSpc>
+                          <a:spcPct val="100000"/>
+                        </a:lnSpc>
+                        <a:spcBef>
+                          <a:spcPts val="0"/>
+                        </a:spcBef>
+                        <a:spcAft>
+                          <a:spcPts val="0"/>
+                        </a:spcAft>
+                        <a:buClrTx/>
+                        <a:buSzTx/>
+                        <a:buFontTx/>
+                        <a:buNone/>
+                        <a:tabLst/>
+                        <a:defRPr/>
+                      </a:pPr>
+                      <a:r>
+                        <a:rPr lang="pl-PL" dirty="0"/>
+                        <a:t>-----------------</a:t>
+                      </a:r>
+                    </a:p>
+                    <a:p>
+                      <a:endParaRPr lang="pl-PL" dirty="0"/>
+                    </a:p>
+                  </a:txBody>
+                  <a:tcPr/>
+                </a:tc>
+                <a:extLst>
+                  <a:ext uri="{0D108BD9-81ED-4DB2-BD59-A6C34878D82A}">
+                    <a16:rowId xmlns:a16="http://schemas.microsoft.com/office/drawing/2014/main" val="802023298"/>
+                  </a:ext>
+                </a:extLst>
+              </a:tr>
+              <a:tr h="887862">
+                <a:tc>
+                  <a:txBody>
+                    <a:bodyPr/>
+                    <a:lstStyle/>
+                    <a:p>
+                      <a:pPr algn="ctr"/>
+                      <a:r>
+                        <a:rPr lang="pl-PL" b="1" dirty="0"/>
+                        <a:t>Drug10</a:t>
+                      </a:r>
+                    </a:p>
+                  </a:txBody>
+                  <a:tcPr/>
+                </a:tc>
+                <a:tc>
+                  <a:txBody>
+                    <a:bodyPr/>
+                    <a:lstStyle/>
+                    <a:p>
+                      <a:pPr algn="ctr"/>
+                      <a:endParaRPr lang="pl-PL" dirty="0"/>
+                    </a:p>
+                    <a:p>
+                      <a:pPr algn="ctr"/>
+                      <a:r>
+                        <a:rPr lang="pl-PL" dirty="0">
+                          <a:highlight>
+                            <a:srgbClr val="FF0000"/>
+                          </a:highlight>
+                        </a:rPr>
+                        <a:t>ok</a:t>
+                      </a:r>
+                    </a:p>
+                  </a:txBody>
+                  <a:tcPr/>
+                </a:tc>
+                <a:tc>
+                  <a:txBody>
+                    <a:bodyPr/>
+                    <a:lstStyle/>
+                    <a:p>
+                      <a:pPr algn="ctr"/>
+                      <a:endParaRPr lang="pl-PL" dirty="0"/>
+                    </a:p>
+                    <a:p>
+                      <a:pPr algn="ctr"/>
+                      <a:r>
+                        <a:rPr lang="pl-PL" dirty="0">
+                          <a:highlight>
+                            <a:srgbClr val="FF0000"/>
+                          </a:highlight>
+                        </a:rPr>
+                        <a:t>ok</a:t>
+                      </a:r>
+                    </a:p>
+                  </a:txBody>
+                  <a:tcPr/>
+                </a:tc>
+                <a:tc>
+                  <a:txBody>
+                    <a:bodyPr/>
+                    <a:lstStyle/>
+                    <a:p>
+                      <a:pPr algn="ctr"/>
+                      <a:endParaRPr lang="pl-PL" dirty="0"/>
+                    </a:p>
+                    <a:p>
+                      <a:pPr algn="ctr"/>
+                      <a:r>
+                        <a:rPr lang="pl-PL" dirty="0"/>
+                        <a:t>ok</a:t>
+                      </a:r>
+                    </a:p>
+                  </a:txBody>
+                  <a:tcPr/>
+                </a:tc>
+                <a:tc>
+                  <a:txBody>
+                    <a:bodyPr/>
+                    <a:lstStyle/>
+                    <a:p>
+                      <a:endParaRPr lang="pl-PL" dirty="0"/>
+                    </a:p>
+                    <a:p>
+                      <a:pPr marL="0" marR="0" lvl="0" indent="0" algn="l" defTabSz="914400" rtl="0" eaLnBrk="1" fontAlgn="auto" latinLnBrk="0" hangingPunct="1">
+                        <a:lnSpc>
+                          <a:spcPct val="100000"/>
+                        </a:lnSpc>
+                        <a:spcBef>
+                          <a:spcPts val="0"/>
+                        </a:spcBef>
+                        <a:spcAft>
+                          <a:spcPts val="0"/>
+                        </a:spcAft>
+                        <a:buClrTx/>
+                        <a:buSzTx/>
+                        <a:buFontTx/>
+                        <a:buNone/>
+                        <a:tabLst/>
+                        <a:defRPr/>
+                      </a:pPr>
+                      <a:r>
+                        <a:rPr lang="pl-PL" dirty="0"/>
+                        <a:t>-----------------</a:t>
+                      </a:r>
+                    </a:p>
+                    <a:p>
+                      <a:endParaRPr lang="pl-PL" dirty="0"/>
+                    </a:p>
+                  </a:txBody>
+                  <a:tcPr/>
+                </a:tc>
+                <a:tc>
+                  <a:txBody>
+                    <a:bodyPr/>
+                    <a:lstStyle/>
+                    <a:p>
+                      <a:endParaRPr lang="pl-PL" dirty="0"/>
+                    </a:p>
+                    <a:p>
+                      <a:pPr marL="0" marR="0" lvl="0" indent="0" algn="l" defTabSz="914400" rtl="0" eaLnBrk="1" fontAlgn="auto" latinLnBrk="0" hangingPunct="1">
+                        <a:lnSpc>
+                          <a:spcPct val="100000"/>
+                        </a:lnSpc>
+                        <a:spcBef>
+                          <a:spcPts val="0"/>
+                        </a:spcBef>
+                        <a:spcAft>
+                          <a:spcPts val="0"/>
+                        </a:spcAft>
+                        <a:buClrTx/>
+                        <a:buSzTx/>
+                        <a:buFontTx/>
+                        <a:buNone/>
+                        <a:tabLst/>
+                        <a:defRPr/>
+                      </a:pPr>
+                      <a:r>
+                        <a:rPr lang="pl-PL" dirty="0"/>
+                        <a:t>-----------------</a:t>
+                      </a:r>
+                    </a:p>
+                    <a:p>
+                      <a:endParaRPr lang="pl-PL" dirty="0"/>
+                    </a:p>
+                  </a:txBody>
+                  <a:tcPr/>
+                </a:tc>
+                <a:extLst>
+                  <a:ext uri="{0D108BD9-81ED-4DB2-BD59-A6C34878D82A}">
+                    <a16:rowId xmlns:a16="http://schemas.microsoft.com/office/drawing/2014/main" val="1846797344"/>
+                  </a:ext>
+                </a:extLst>
+              </a:tr>
+            </a:tbl>
+          </a:graphicData>
+        </a:graphic>
+      </p:graphicFrame>
+    </p:spTree>
+    <p:extLst>
+      <p:ext uri="{BB962C8B-B14F-4D97-AF65-F5344CB8AC3E}">
+        <p14:creationId xmlns:p14="http://schemas.microsoft.com/office/powerpoint/2010/main" val="1838549559"/>
+      </p:ext>
+    </p:extLst>
+  </p:cSld>
+  <p:clrMapOvr>
+    <a:masterClrMapping/>
+  </p:clrMapOvr>
+</p:sld>
+</file>
+
+<file path=ppt/slides/slide3.xml><?xml version="1.0" encoding="utf-8"?>
+<p:sld xmlns:a="http://schemas.openxmlformats.org/drawingml/2006/main" xmlns:r="http://schemas.openxmlformats.org/officeDocument/2006/relationships" xmlns:p="http://schemas.openxmlformats.org/presentationml/2006/main">
+  <p:cSld>
     <p:bg>
       <p:bgPr>
         <a:solidFill>
@@ -4520,7 +5514,7 @@
 </p:sld>
 </file>
 
-<file path=ppt/slides/slide3.xml><?xml version="1.0" encoding="utf-8"?>
+<file path=ppt/slides/slide4.xml><?xml version="1.0" encoding="utf-8"?>
 <p:sld xmlns:a="http://schemas.openxmlformats.org/drawingml/2006/main" xmlns:r="http://schemas.openxmlformats.org/officeDocument/2006/relationships" xmlns:p="http://schemas.openxmlformats.org/presentationml/2006/main">
   <p:cSld>
     <p:spTree>
@@ -4620,7 +5614,7 @@
 </p:sld>
 </file>
 
-<file path=ppt/slides/slide4.xml><?xml version="1.0" encoding="utf-8"?>
+<file path=ppt/slides/slide5.xml><?xml version="1.0" encoding="utf-8"?>
 <p:sld xmlns:a="http://schemas.openxmlformats.org/drawingml/2006/main" xmlns:r="http://schemas.openxmlformats.org/officeDocument/2006/relationships" xmlns:p="http://schemas.openxmlformats.org/presentationml/2006/main">
   <p:cSld>
     <p:spTree>
@@ -4680,7 +5674,7 @@
 </p:sld>
 </file>
 
-<file path=ppt/slides/slide5.xml><?xml version="1.0" encoding="utf-8"?>
+<file path=ppt/slides/slide6.xml><?xml version="1.0" encoding="utf-8"?>
 <p:sld xmlns:a="http://schemas.openxmlformats.org/drawingml/2006/main" xmlns:r="http://schemas.openxmlformats.org/officeDocument/2006/relationships" xmlns:p="http://schemas.openxmlformats.org/presentationml/2006/main">
   <p:cSld>
     <p:spTree>
@@ -4740,7 +5734,7 @@
 </p:sld>
 </file>
 
-<file path=ppt/slides/slide6.xml><?xml version="1.0" encoding="utf-8"?>
+<file path=ppt/slides/slide7.xml><?xml version="1.0" encoding="utf-8"?>
 <p:sld xmlns:a="http://schemas.openxmlformats.org/drawingml/2006/main" xmlns:r="http://schemas.openxmlformats.org/officeDocument/2006/relationships" xmlns:p="http://schemas.openxmlformats.org/presentationml/2006/main">
   <p:cSld>
     <p:spTree>
@@ -4800,7 +5794,7 @@
 </p:sld>
 </file>
 
-<file path=ppt/slides/slide7.xml><?xml version="1.0" encoding="utf-8"?>
+<file path=ppt/slides/slide8.xml><?xml version="1.0" encoding="utf-8"?>
 <p:sld xmlns:a="http://schemas.openxmlformats.org/drawingml/2006/main" xmlns:r="http://schemas.openxmlformats.org/officeDocument/2006/relationships" xmlns:p="http://schemas.openxmlformats.org/presentationml/2006/main">
   <p:cSld>
     <p:spTree>
